--- a/manoj naan mudhalvan project 2.pptx
+++ b/manoj naan mudhalvan project 2.pptx
@@ -248,7 +248,7 @@
           <a:p>
             <a:fld id="{84B86612-B127-4CD0-BF15-66D49A7175F7}" type="datetimeFigureOut">
               <a:rPr lang="en-IN" smtClean="0"/>
-              <a:t>06-09-2024</a:t>
+              <a:t>10-09-2024</a:t>
             </a:fld>
             <a:endParaRPr lang="en-IN"/>
           </a:p>
@@ -745,7 +745,7 @@
           <a:p>
             <a:fld id="{1D8BD707-D9CF-40AE-B4C6-C98DA3205C09}" type="datetimeFigureOut">
               <a:rPr lang="en-US"/>
-              <a:t>9/6/2024</a:t>
+              <a:t>9/10/2024</a:t>
             </a:fld>
             <a:endParaRPr lang="en-US"/>
           </a:p>
@@ -925,7 +925,7 @@
           <a:p>
             <a:fld id="{1D8BD707-D9CF-40AE-B4C6-C98DA3205C09}" type="datetimeFigureOut">
               <a:rPr lang="en-US"/>
-              <a:t>9/6/2024</a:t>
+              <a:t>9/10/2024</a:t>
             </a:fld>
             <a:endParaRPr lang="en-US"/>
           </a:p>
@@ -1148,7 +1148,7 @@
           <a:p>
             <a:fld id="{1D8BD707-D9CF-40AE-B4C6-C98DA3205C09}" type="datetimeFigureOut">
               <a:rPr lang="en-US"/>
-              <a:t>9/6/2024</a:t>
+              <a:t>9/10/2024</a:t>
             </a:fld>
             <a:endParaRPr lang="en-US"/>
           </a:p>
@@ -1305,7 +1305,7 @@
           <a:p>
             <a:fld id="{1D8BD707-D9CF-40AE-B4C6-C98DA3205C09}" type="datetimeFigureOut">
               <a:rPr lang="en-US"/>
-              <a:t>9/6/2024</a:t>
+              <a:t>9/10/2024</a:t>
             </a:fld>
             <a:endParaRPr lang="en-US"/>
           </a:p>
@@ -1433,7 +1433,7 @@
           <a:p>
             <a:fld id="{1D8BD707-D9CF-40AE-B4C6-C98DA3205C09}" type="datetimeFigureOut">
               <a:rPr lang="en-US"/>
-              <a:t>9/6/2024</a:t>
+              <a:t>9/10/2024</a:t>
             </a:fld>
             <a:endParaRPr lang="en-US"/>
           </a:p>
@@ -2152,7 +2152,7 @@
           <a:p>
             <a:fld id="{1D8BD707-D9CF-40AE-B4C6-C98DA3205C09}" type="datetimeFigureOut">
               <a:rPr lang="en-US"/>
-              <a:t>9/6/2024</a:t>
+              <a:t>9/10/2024</a:t>
             </a:fld>
             <a:endParaRPr lang="en-US"/>
           </a:p>
@@ -2767,7 +2767,7 @@
         <p:spPr>
           <a:xfrm>
             <a:off x="2295524" y="2920901"/>
-            <a:ext cx="8610600" cy="2308324"/>
+            <a:ext cx="8610600" cy="2677656"/>
           </a:xfrm>
           <a:prstGeom prst="rect">
             <a:avLst/>
@@ -2803,7 +2803,21 @@
           <a:p>
             <a:r>
               <a:rPr lang="en-US" sz="2400" dirty="0"/>
-              <a:t>NAAN MUDHALVAN USERNAME:asunm110312201169</a:t>
+              <a:t>NAAN MUDHALVAN </a:t>
+            </a:r>
+            <a:r>
+              <a:rPr lang="en-US" sz="2400" dirty="0" smtClean="0"/>
+              <a:t>USERNAME:asunm110312201169</a:t>
+            </a:r>
+          </a:p>
+          <a:p>
+            <a:r>
+              <a:rPr lang="en-US" sz="2400" dirty="0" smtClean="0"/>
+              <a:t>NAAN MUDHALVAN </a:t>
+            </a:r>
+            <a:r>
+              <a:rPr lang="en-US" sz="2400"/>
+              <a:t>ID:-8254D06CA1F576384BD4549C308BB9DA</a:t>
             </a:r>
             <a:endParaRPr lang="en-US" sz="2400" dirty="0"/>
           </a:p>
